--- a/bw/bw之ecplise.pptx
+++ b/bw/bw之ecplise.pptx
@@ -4,6 +4,9 @@
   <p:sldMasterIdLst>
     <p:sldMasterId id="2147483648" r:id="rId1"/>
   </p:sldMasterIdLst>
+  <p:notesMasterIdLst>
+    <p:notesMasterId r:id="rId28"/>
+  </p:notesMasterIdLst>
   <p:sldIdLst>
     <p:sldId id="256" r:id="rId2"/>
     <p:sldId id="257" r:id="rId3"/>
@@ -22,7 +25,15 @@
     <p:sldId id="270" r:id="rId16"/>
     <p:sldId id="271" r:id="rId17"/>
     <p:sldId id="272" r:id="rId18"/>
-    <p:sldId id="273" r:id="rId19"/>
+    <p:sldId id="274" r:id="rId19"/>
+    <p:sldId id="275" r:id="rId20"/>
+    <p:sldId id="276" r:id="rId21"/>
+    <p:sldId id="277" r:id="rId22"/>
+    <p:sldId id="278" r:id="rId23"/>
+    <p:sldId id="279" r:id="rId24"/>
+    <p:sldId id="280" r:id="rId25"/>
+    <p:sldId id="281" r:id="rId26"/>
+    <p:sldId id="273" r:id="rId27"/>
   </p:sldIdLst>
   <p:sldSz cx="12192000" cy="6858000"/>
   <p:notesSz cx="6858000" cy="9144000"/>
@@ -121,7 +132,362 @@
       </a:defRPr>
     </a:lvl9pPr>
   </p:defaultTextStyle>
+  <p:extLst>
+    <p:ext uri="{EFAFB233-063F-42B5-8137-9DF3F51BA10A}">
+      <p15:sldGuideLst xmlns:p15="http://schemas.microsoft.com/office/powerpoint/2012/main"/>
+    </p:ext>
+  </p:extLst>
 </p:presentation>
+</file>
+
+<file path=ppt/notesMasters/notesMaster1.xml><?xml version="1.0" encoding="utf-8"?>
+<p:notesMaster xmlns:a="http://schemas.openxmlformats.org/drawingml/2006/main" xmlns:r="http://schemas.openxmlformats.org/officeDocument/2006/relationships" xmlns:p="http://schemas.openxmlformats.org/presentationml/2006/main">
+  <p:cSld>
+    <p:bg>
+      <p:bgRef idx="1001">
+        <a:schemeClr val="bg1"/>
+      </p:bgRef>
+    </p:bg>
+    <p:spTree>
+      <p:nvGrpSpPr>
+        <p:cNvPr id="1" name=""/>
+        <p:cNvGrpSpPr/>
+        <p:nvPr/>
+      </p:nvGrpSpPr>
+      <p:grpSpPr>
+        <a:xfrm>
+          <a:off x="0" y="0"/>
+          <a:ext cx="0" cy="0"/>
+          <a:chOff x="0" y="0"/>
+          <a:chExt cx="0" cy="0"/>
+        </a:xfrm>
+      </p:grpSpPr>
+      <p:sp>
+        <p:nvSpPr>
+          <p:cNvPr id="2" name="页眉占位符 1"/>
+          <p:cNvSpPr>
+            <a:spLocks noGrp="1"/>
+          </p:cNvSpPr>
+          <p:nvPr>
+            <p:ph type="hdr" sz="quarter"/>
+          </p:nvPr>
+        </p:nvSpPr>
+        <p:spPr>
+          <a:xfrm>
+            <a:off x="0" y="0"/>
+            <a:ext cx="2971800" cy="458788"/>
+          </a:xfrm>
+          <a:prstGeom prst="rect">
+            <a:avLst/>
+          </a:prstGeom>
+        </p:spPr>
+        <p:txBody>
+          <a:bodyPr vert="horz" lIns="91440" tIns="45720" rIns="91440" bIns="45720" rtlCol="0"/>
+          <a:lstStyle>
+            <a:lvl1pPr algn="l">
+              <a:defRPr sz="1200"/>
+            </a:lvl1pPr>
+          </a:lstStyle>
+          <a:p>
+            <a:endParaRPr lang="zh-CN" altLang="en-US"/>
+          </a:p>
+        </p:txBody>
+      </p:sp>
+      <p:sp>
+        <p:nvSpPr>
+          <p:cNvPr id="3" name="日期占位符 2"/>
+          <p:cNvSpPr>
+            <a:spLocks noGrp="1"/>
+          </p:cNvSpPr>
+          <p:nvPr>
+            <p:ph type="dt" idx="1"/>
+          </p:nvPr>
+        </p:nvSpPr>
+        <p:spPr>
+          <a:xfrm>
+            <a:off x="3884613" y="0"/>
+            <a:ext cx="2971800" cy="458788"/>
+          </a:xfrm>
+          <a:prstGeom prst="rect">
+            <a:avLst/>
+          </a:prstGeom>
+        </p:spPr>
+        <p:txBody>
+          <a:bodyPr vert="horz" lIns="91440" tIns="45720" rIns="91440" bIns="45720" rtlCol="0"/>
+          <a:lstStyle>
+            <a:lvl1pPr algn="r">
+              <a:defRPr sz="1200"/>
+            </a:lvl1pPr>
+          </a:lstStyle>
+          <a:p>
+            <a:fld id="{34322F09-D00E-4B1B-A244-8BBA70DC8BB4}" type="datetimeFigureOut">
+              <a:rPr lang="zh-CN" altLang="en-US" smtClean="0"/>
+              <a:t>2024/8/12</a:t>
+            </a:fld>
+            <a:endParaRPr lang="zh-CN" altLang="en-US"/>
+          </a:p>
+        </p:txBody>
+      </p:sp>
+      <p:sp>
+        <p:nvSpPr>
+          <p:cNvPr id="4" name="幻灯片图像占位符 3"/>
+          <p:cNvSpPr>
+            <a:spLocks noGrp="1" noRot="1" noChangeAspect="1"/>
+          </p:cNvSpPr>
+          <p:nvPr>
+            <p:ph type="sldImg" idx="2"/>
+          </p:nvPr>
+        </p:nvSpPr>
+        <p:spPr>
+          <a:xfrm>
+            <a:off x="685800" y="1143000"/>
+            <a:ext cx="5486400" cy="3086100"/>
+          </a:xfrm>
+          <a:prstGeom prst="rect">
+            <a:avLst/>
+          </a:prstGeom>
+          <a:noFill/>
+          <a:ln w="12700">
+            <a:solidFill>
+              <a:prstClr val="black"/>
+            </a:solidFill>
+          </a:ln>
+        </p:spPr>
+        <p:txBody>
+          <a:bodyPr vert="horz" lIns="91440" tIns="45720" rIns="91440" bIns="45720" rtlCol="0" anchor="ctr"/>
+          <a:lstStyle/>
+          <a:p>
+            <a:endParaRPr lang="zh-CN" altLang="en-US"/>
+          </a:p>
+        </p:txBody>
+      </p:sp>
+      <p:sp>
+        <p:nvSpPr>
+          <p:cNvPr id="5" name="备注占位符 4"/>
+          <p:cNvSpPr>
+            <a:spLocks noGrp="1"/>
+          </p:cNvSpPr>
+          <p:nvPr>
+            <p:ph type="body" sz="quarter" idx="3"/>
+          </p:nvPr>
+        </p:nvSpPr>
+        <p:spPr>
+          <a:xfrm>
+            <a:off x="685800" y="4400550"/>
+            <a:ext cx="5486400" cy="3600450"/>
+          </a:xfrm>
+          <a:prstGeom prst="rect">
+            <a:avLst/>
+          </a:prstGeom>
+        </p:spPr>
+        <p:txBody>
+          <a:bodyPr vert="horz" lIns="91440" tIns="45720" rIns="91440" bIns="45720" rtlCol="0"/>
+          <a:lstStyle/>
+          <a:p>
+            <a:pPr lvl="0"/>
+            <a:r>
+              <a:rPr lang="zh-CN" altLang="en-US" smtClean="0"/>
+              <a:t>编辑母版文本样式</a:t>
+            </a:r>
+          </a:p>
+          <a:p>
+            <a:pPr lvl="1"/>
+            <a:r>
+              <a:rPr lang="zh-CN" altLang="en-US" smtClean="0"/>
+              <a:t>第二级</a:t>
+            </a:r>
+          </a:p>
+          <a:p>
+            <a:pPr lvl="2"/>
+            <a:r>
+              <a:rPr lang="zh-CN" altLang="en-US" smtClean="0"/>
+              <a:t>第三级</a:t>
+            </a:r>
+          </a:p>
+          <a:p>
+            <a:pPr lvl="3"/>
+            <a:r>
+              <a:rPr lang="zh-CN" altLang="en-US" smtClean="0"/>
+              <a:t>第四级</a:t>
+            </a:r>
+          </a:p>
+          <a:p>
+            <a:pPr lvl="4"/>
+            <a:r>
+              <a:rPr lang="zh-CN" altLang="en-US" smtClean="0"/>
+              <a:t>第五级</a:t>
+            </a:r>
+            <a:endParaRPr lang="zh-CN" altLang="en-US"/>
+          </a:p>
+        </p:txBody>
+      </p:sp>
+      <p:sp>
+        <p:nvSpPr>
+          <p:cNvPr id="6" name="页脚占位符 5"/>
+          <p:cNvSpPr>
+            <a:spLocks noGrp="1"/>
+          </p:cNvSpPr>
+          <p:nvPr>
+            <p:ph type="ftr" sz="quarter" idx="4"/>
+          </p:nvPr>
+        </p:nvSpPr>
+        <p:spPr>
+          <a:xfrm>
+            <a:off x="0" y="8685213"/>
+            <a:ext cx="2971800" cy="458787"/>
+          </a:xfrm>
+          <a:prstGeom prst="rect">
+            <a:avLst/>
+          </a:prstGeom>
+        </p:spPr>
+        <p:txBody>
+          <a:bodyPr vert="horz" lIns="91440" tIns="45720" rIns="91440" bIns="45720" rtlCol="0" anchor="b"/>
+          <a:lstStyle>
+            <a:lvl1pPr algn="l">
+              <a:defRPr sz="1200"/>
+            </a:lvl1pPr>
+          </a:lstStyle>
+          <a:p>
+            <a:endParaRPr lang="zh-CN" altLang="en-US"/>
+          </a:p>
+        </p:txBody>
+      </p:sp>
+      <p:sp>
+        <p:nvSpPr>
+          <p:cNvPr id="7" name="灯片编号占位符 6"/>
+          <p:cNvSpPr>
+            <a:spLocks noGrp="1"/>
+          </p:cNvSpPr>
+          <p:nvPr>
+            <p:ph type="sldNum" sz="quarter" idx="5"/>
+          </p:nvPr>
+        </p:nvSpPr>
+        <p:spPr>
+          <a:xfrm>
+            <a:off x="3884613" y="8685213"/>
+            <a:ext cx="2971800" cy="458787"/>
+          </a:xfrm>
+          <a:prstGeom prst="rect">
+            <a:avLst/>
+          </a:prstGeom>
+        </p:spPr>
+        <p:txBody>
+          <a:bodyPr vert="horz" lIns="91440" tIns="45720" rIns="91440" bIns="45720" rtlCol="0" anchor="b"/>
+          <a:lstStyle>
+            <a:lvl1pPr algn="r">
+              <a:defRPr sz="1200"/>
+            </a:lvl1pPr>
+          </a:lstStyle>
+          <a:p>
+            <a:fld id="{9A9B062D-65C8-494F-945F-9713B1871DDE}" type="slidenum">
+              <a:rPr lang="zh-CN" altLang="en-US" smtClean="0"/>
+              <a:t>‹#›</a:t>
+            </a:fld>
+            <a:endParaRPr lang="zh-CN" altLang="en-US"/>
+          </a:p>
+        </p:txBody>
+      </p:sp>
+    </p:spTree>
+    <p:extLst>
+      <p:ext uri="{BB962C8B-B14F-4D97-AF65-F5344CB8AC3E}">
+        <p14:creationId xmlns:p14="http://schemas.microsoft.com/office/powerpoint/2010/main" val="1829088119"/>
+      </p:ext>
+    </p:extLst>
+  </p:cSld>
+  <p:clrMap bg1="lt1" tx1="dk1" bg2="lt2" tx2="dk2" accent1="accent1" accent2="accent2" accent3="accent3" accent4="accent4" accent5="accent5" accent6="accent6" hlink="hlink" folHlink="folHlink"/>
+  <p:notesStyle>
+    <a:lvl1pPr marL="0" algn="l" defTabSz="914400" rtl="0" eaLnBrk="1" latinLnBrk="0" hangingPunct="1">
+      <a:defRPr sz="1200" kern="1200">
+        <a:solidFill>
+          <a:schemeClr val="tx1"/>
+        </a:solidFill>
+        <a:latin typeface="+mn-lt"/>
+        <a:ea typeface="+mn-ea"/>
+        <a:cs typeface="+mn-cs"/>
+      </a:defRPr>
+    </a:lvl1pPr>
+    <a:lvl2pPr marL="457200" algn="l" defTabSz="914400" rtl="0" eaLnBrk="1" latinLnBrk="0" hangingPunct="1">
+      <a:defRPr sz="1200" kern="1200">
+        <a:solidFill>
+          <a:schemeClr val="tx1"/>
+        </a:solidFill>
+        <a:latin typeface="+mn-lt"/>
+        <a:ea typeface="+mn-ea"/>
+        <a:cs typeface="+mn-cs"/>
+      </a:defRPr>
+    </a:lvl2pPr>
+    <a:lvl3pPr marL="914400" algn="l" defTabSz="914400" rtl="0" eaLnBrk="1" latinLnBrk="0" hangingPunct="1">
+      <a:defRPr sz="1200" kern="1200">
+        <a:solidFill>
+          <a:schemeClr val="tx1"/>
+        </a:solidFill>
+        <a:latin typeface="+mn-lt"/>
+        <a:ea typeface="+mn-ea"/>
+        <a:cs typeface="+mn-cs"/>
+      </a:defRPr>
+    </a:lvl3pPr>
+    <a:lvl4pPr marL="1371600" algn="l" defTabSz="914400" rtl="0" eaLnBrk="1" latinLnBrk="0" hangingPunct="1">
+      <a:defRPr sz="1200" kern="1200">
+        <a:solidFill>
+          <a:schemeClr val="tx1"/>
+        </a:solidFill>
+        <a:latin typeface="+mn-lt"/>
+        <a:ea typeface="+mn-ea"/>
+        <a:cs typeface="+mn-cs"/>
+      </a:defRPr>
+    </a:lvl4pPr>
+    <a:lvl5pPr marL="1828800" algn="l" defTabSz="914400" rtl="0" eaLnBrk="1" latinLnBrk="0" hangingPunct="1">
+      <a:defRPr sz="1200" kern="1200">
+        <a:solidFill>
+          <a:schemeClr val="tx1"/>
+        </a:solidFill>
+        <a:latin typeface="+mn-lt"/>
+        <a:ea typeface="+mn-ea"/>
+        <a:cs typeface="+mn-cs"/>
+      </a:defRPr>
+    </a:lvl5pPr>
+    <a:lvl6pPr marL="2286000" algn="l" defTabSz="914400" rtl="0" eaLnBrk="1" latinLnBrk="0" hangingPunct="1">
+      <a:defRPr sz="1200" kern="1200">
+        <a:solidFill>
+          <a:schemeClr val="tx1"/>
+        </a:solidFill>
+        <a:latin typeface="+mn-lt"/>
+        <a:ea typeface="+mn-ea"/>
+        <a:cs typeface="+mn-cs"/>
+      </a:defRPr>
+    </a:lvl6pPr>
+    <a:lvl7pPr marL="2743200" algn="l" defTabSz="914400" rtl="0" eaLnBrk="1" latinLnBrk="0" hangingPunct="1">
+      <a:defRPr sz="1200" kern="1200">
+        <a:solidFill>
+          <a:schemeClr val="tx1"/>
+        </a:solidFill>
+        <a:latin typeface="+mn-lt"/>
+        <a:ea typeface="+mn-ea"/>
+        <a:cs typeface="+mn-cs"/>
+      </a:defRPr>
+    </a:lvl7pPr>
+    <a:lvl8pPr marL="3200400" algn="l" defTabSz="914400" rtl="0" eaLnBrk="1" latinLnBrk="0" hangingPunct="1">
+      <a:defRPr sz="1200" kern="1200">
+        <a:solidFill>
+          <a:schemeClr val="tx1"/>
+        </a:solidFill>
+        <a:latin typeface="+mn-lt"/>
+        <a:ea typeface="+mn-ea"/>
+        <a:cs typeface="+mn-cs"/>
+      </a:defRPr>
+    </a:lvl8pPr>
+    <a:lvl9pPr marL="3657600" algn="l" defTabSz="914400" rtl="0" eaLnBrk="1" latinLnBrk="0" hangingPunct="1">
+      <a:defRPr sz="1200" kern="1200">
+        <a:solidFill>
+          <a:schemeClr val="tx1"/>
+        </a:solidFill>
+        <a:latin typeface="+mn-lt"/>
+        <a:ea typeface="+mn-ea"/>
+        <a:cs typeface="+mn-cs"/>
+      </a:defRPr>
+    </a:lvl9pPr>
+  </p:notesStyle>
+</p:notesMaster>
 </file>
 
 <file path=ppt/slideLayouts/slideLayout1.xml><?xml version="1.0" encoding="utf-8"?>
@@ -255,7 +621,7 @@
           <a:p>
             <a:fld id="{99C1BE36-CF19-4040-8BA2-8DA6840BE959}" type="datetimeFigureOut">
               <a:rPr lang="zh-CN" altLang="en-US" smtClean="0"/>
-              <a:t>2024/8/11</a:t>
+              <a:t>2024/8/12</a:t>
             </a:fld>
             <a:endParaRPr lang="zh-CN" altLang="en-US"/>
           </a:p>
@@ -425,7 +791,7 @@
           <a:p>
             <a:fld id="{99C1BE36-CF19-4040-8BA2-8DA6840BE959}" type="datetimeFigureOut">
               <a:rPr lang="zh-CN" altLang="en-US" smtClean="0"/>
-              <a:t>2024/8/11</a:t>
+              <a:t>2024/8/12</a:t>
             </a:fld>
             <a:endParaRPr lang="zh-CN" altLang="en-US"/>
           </a:p>
@@ -605,7 +971,7 @@
           <a:p>
             <a:fld id="{99C1BE36-CF19-4040-8BA2-8DA6840BE959}" type="datetimeFigureOut">
               <a:rPr lang="zh-CN" altLang="en-US" smtClean="0"/>
-              <a:t>2024/8/11</a:t>
+              <a:t>2024/8/12</a:t>
             </a:fld>
             <a:endParaRPr lang="zh-CN" altLang="en-US"/>
           </a:p>
@@ -775,7 +1141,7 @@
           <a:p>
             <a:fld id="{99C1BE36-CF19-4040-8BA2-8DA6840BE959}" type="datetimeFigureOut">
               <a:rPr lang="zh-CN" altLang="en-US" smtClean="0"/>
-              <a:t>2024/8/11</a:t>
+              <a:t>2024/8/12</a:t>
             </a:fld>
             <a:endParaRPr lang="zh-CN" altLang="en-US"/>
           </a:p>
@@ -1021,7 +1387,7 @@
           <a:p>
             <a:fld id="{99C1BE36-CF19-4040-8BA2-8DA6840BE959}" type="datetimeFigureOut">
               <a:rPr lang="zh-CN" altLang="en-US" smtClean="0"/>
-              <a:t>2024/8/11</a:t>
+              <a:t>2024/8/12</a:t>
             </a:fld>
             <a:endParaRPr lang="zh-CN" altLang="en-US"/>
           </a:p>
@@ -1253,7 +1619,7 @@
           <a:p>
             <a:fld id="{99C1BE36-CF19-4040-8BA2-8DA6840BE959}" type="datetimeFigureOut">
               <a:rPr lang="zh-CN" altLang="en-US" smtClean="0"/>
-              <a:t>2024/8/11</a:t>
+              <a:t>2024/8/12</a:t>
             </a:fld>
             <a:endParaRPr lang="zh-CN" altLang="en-US"/>
           </a:p>
@@ -1620,7 +1986,7 @@
           <a:p>
             <a:fld id="{99C1BE36-CF19-4040-8BA2-8DA6840BE959}" type="datetimeFigureOut">
               <a:rPr lang="zh-CN" altLang="en-US" smtClean="0"/>
-              <a:t>2024/8/11</a:t>
+              <a:t>2024/8/12</a:t>
             </a:fld>
             <a:endParaRPr lang="zh-CN" altLang="en-US"/>
           </a:p>
@@ -1738,7 +2104,7 @@
           <a:p>
             <a:fld id="{99C1BE36-CF19-4040-8BA2-8DA6840BE959}" type="datetimeFigureOut">
               <a:rPr lang="zh-CN" altLang="en-US" smtClean="0"/>
-              <a:t>2024/8/11</a:t>
+              <a:t>2024/8/12</a:t>
             </a:fld>
             <a:endParaRPr lang="zh-CN" altLang="en-US"/>
           </a:p>
@@ -1833,7 +2199,7 @@
           <a:p>
             <a:fld id="{99C1BE36-CF19-4040-8BA2-8DA6840BE959}" type="datetimeFigureOut">
               <a:rPr lang="zh-CN" altLang="en-US" smtClean="0"/>
-              <a:t>2024/8/11</a:t>
+              <a:t>2024/8/12</a:t>
             </a:fld>
             <a:endParaRPr lang="zh-CN" altLang="en-US"/>
           </a:p>
@@ -2110,7 +2476,7 @@
           <a:p>
             <a:fld id="{99C1BE36-CF19-4040-8BA2-8DA6840BE959}" type="datetimeFigureOut">
               <a:rPr lang="zh-CN" altLang="en-US" smtClean="0"/>
-              <a:t>2024/8/11</a:t>
+              <a:t>2024/8/12</a:t>
             </a:fld>
             <a:endParaRPr lang="zh-CN" altLang="en-US"/>
           </a:p>
@@ -2363,7 +2729,7 @@
           <a:p>
             <a:fld id="{99C1BE36-CF19-4040-8BA2-8DA6840BE959}" type="datetimeFigureOut">
               <a:rPr lang="zh-CN" altLang="en-US" smtClean="0"/>
-              <a:t>2024/8/11</a:t>
+              <a:t>2024/8/12</a:t>
             </a:fld>
             <a:endParaRPr lang="zh-CN" altLang="en-US"/>
           </a:p>
@@ -2576,7 +2942,7 @@
           <a:p>
             <a:fld id="{99C1BE36-CF19-4040-8BA2-8DA6840BE959}" type="datetimeFigureOut">
               <a:rPr lang="zh-CN" altLang="en-US" smtClean="0"/>
-              <a:t>2024/8/11</a:t>
+              <a:t>2024/8/12</a:t>
             </a:fld>
             <a:endParaRPr lang="zh-CN" altLang="en-US"/>
           </a:p>
@@ -3351,11 +3717,7 @@
             </a:r>
             <a:r>
               <a:rPr lang="zh-CN" altLang="en-US" dirty="0" smtClean="0"/>
-              <a:t>、</a:t>
-            </a:r>
-            <a:r>
-              <a:rPr lang="zh-CN" altLang="en-US" dirty="0" smtClean="0"/>
-              <a:t>创建信息对象</a:t>
+              <a:t>、创建信息对象</a:t>
             </a:r>
             <a:r>
               <a:rPr lang="en-US" altLang="zh-CN" dirty="0" smtClean="0"/>
@@ -4018,6 +4380,92 @@
           <a:chExt cx="0" cy="0"/>
         </a:xfrm>
       </p:grpSpPr>
+      <p:sp>
+        <p:nvSpPr>
+          <p:cNvPr id="2" name="文本框 1"/>
+          <p:cNvSpPr txBox="1"/>
+          <p:nvPr/>
+        </p:nvSpPr>
+        <p:spPr>
+          <a:xfrm>
+            <a:off x="404260" y="702644"/>
+            <a:ext cx="4764505" cy="369332"/>
+          </a:xfrm>
+          <a:prstGeom prst="rect">
+            <a:avLst/>
+          </a:prstGeom>
+          <a:noFill/>
+        </p:spPr>
+        <p:txBody>
+          <a:bodyPr wrap="square" rtlCol="0">
+            <a:spAutoFit/>
+          </a:bodyPr>
+          <a:lstStyle/>
+          <a:p>
+            <a:r>
+              <a:rPr lang="zh-CN" altLang="en-US" dirty="0" smtClean="0"/>
+              <a:t>三、基础层创建</a:t>
+            </a:r>
+            <a:r>
+              <a:rPr lang="en-US" altLang="zh-CN" dirty="0" smtClean="0"/>
+              <a:t>DSO</a:t>
+            </a:r>
+            <a:r>
+              <a:rPr lang="zh-CN" altLang="en-US" dirty="0" smtClean="0"/>
+              <a:t>（数据存储对象）</a:t>
+            </a:r>
+            <a:endParaRPr lang="zh-CN" altLang="en-US" dirty="0"/>
+          </a:p>
+        </p:txBody>
+      </p:sp>
+      <p:pic>
+        <p:nvPicPr>
+          <p:cNvPr id="3" name="图片 2"/>
+          <p:cNvPicPr>
+            <a:picLocks noChangeAspect="1"/>
+          </p:cNvPicPr>
+          <p:nvPr/>
+        </p:nvPicPr>
+        <p:blipFill>
+          <a:blip r:embed="rId2"/>
+          <a:stretch>
+            <a:fillRect/>
+          </a:stretch>
+        </p:blipFill>
+        <p:spPr>
+          <a:xfrm>
+            <a:off x="86627" y="1675350"/>
+            <a:ext cx="6510681" cy="4080558"/>
+          </a:xfrm>
+          <a:prstGeom prst="rect">
+            <a:avLst/>
+          </a:prstGeom>
+        </p:spPr>
+      </p:pic>
+      <p:pic>
+        <p:nvPicPr>
+          <p:cNvPr id="4" name="图片 3"/>
+          <p:cNvPicPr>
+            <a:picLocks noChangeAspect="1"/>
+          </p:cNvPicPr>
+          <p:nvPr/>
+        </p:nvPicPr>
+        <p:blipFill>
+          <a:blip r:embed="rId3"/>
+          <a:stretch>
+            <a:fillRect/>
+          </a:stretch>
+        </p:blipFill>
+        <p:spPr>
+          <a:xfrm>
+            <a:off x="7072330" y="2510865"/>
+            <a:ext cx="3495238" cy="2009524"/>
+          </a:xfrm>
+          <a:prstGeom prst="rect">
+            <a:avLst/>
+          </a:prstGeom>
+        </p:spPr>
+      </p:pic>
     </p:spTree>
     <p:extLst>
       <p:ext uri="{BB962C8B-B14F-4D97-AF65-F5344CB8AC3E}">
@@ -4048,10 +4496,212 @@
           <a:chExt cx="0" cy="0"/>
         </a:xfrm>
       </p:grpSpPr>
+      <p:sp>
+        <p:nvSpPr>
+          <p:cNvPr id="2" name="文本框 1"/>
+          <p:cNvSpPr txBox="1"/>
+          <p:nvPr/>
+        </p:nvSpPr>
+        <p:spPr>
+          <a:xfrm>
+            <a:off x="731520" y="616017"/>
+            <a:ext cx="1098378" cy="369332"/>
+          </a:xfrm>
+          <a:prstGeom prst="rect">
+            <a:avLst/>
+          </a:prstGeom>
+          <a:noFill/>
+        </p:spPr>
+        <p:txBody>
+          <a:bodyPr wrap="none" rtlCol="0">
+            <a:spAutoFit/>
+          </a:bodyPr>
+          <a:lstStyle/>
+          <a:p>
+            <a:r>
+              <a:rPr lang="en-US" altLang="zh-CN" dirty="0" smtClean="0"/>
+              <a:t>DSO</a:t>
+            </a:r>
+            <a:r>
+              <a:rPr lang="zh-CN" altLang="en-US" dirty="0" smtClean="0"/>
+              <a:t>属性</a:t>
+            </a:r>
+            <a:endParaRPr lang="zh-CN" altLang="en-US" dirty="0"/>
+          </a:p>
+        </p:txBody>
+      </p:sp>
+      <p:pic>
+        <p:nvPicPr>
+          <p:cNvPr id="3" name="图片 2"/>
+          <p:cNvPicPr>
+            <a:picLocks noChangeAspect="1"/>
+          </p:cNvPicPr>
+          <p:nvPr/>
+        </p:nvPicPr>
+        <p:blipFill>
+          <a:blip r:embed="rId2"/>
+          <a:stretch>
+            <a:fillRect/>
+          </a:stretch>
+        </p:blipFill>
+        <p:spPr>
+          <a:xfrm>
+            <a:off x="80864" y="1351193"/>
+            <a:ext cx="5675585" cy="4183334"/>
+          </a:xfrm>
+          <a:prstGeom prst="rect">
+            <a:avLst/>
+          </a:prstGeom>
+        </p:spPr>
+      </p:pic>
+      <p:pic>
+        <p:nvPicPr>
+          <p:cNvPr id="4" name="图片 3"/>
+          <p:cNvPicPr>
+            <a:picLocks noChangeAspect="1"/>
+          </p:cNvPicPr>
+          <p:nvPr/>
+        </p:nvPicPr>
+        <p:blipFill>
+          <a:blip r:embed="rId3"/>
+          <a:stretch>
+            <a:fillRect/>
+          </a:stretch>
+        </p:blipFill>
+        <p:spPr>
+          <a:xfrm>
+            <a:off x="5950968" y="1210762"/>
+            <a:ext cx="5489926" cy="4323765"/>
+          </a:xfrm>
+          <a:prstGeom prst="rect">
+            <a:avLst/>
+          </a:prstGeom>
+        </p:spPr>
+      </p:pic>
     </p:spTree>
     <p:extLst>
       <p:ext uri="{BB962C8B-B14F-4D97-AF65-F5344CB8AC3E}">
-        <p14:creationId xmlns:p14="http://schemas.microsoft.com/office/powerpoint/2010/main" val="880583817"/>
+        <p14:creationId xmlns:p14="http://schemas.microsoft.com/office/powerpoint/2010/main" val="1298065402"/>
+      </p:ext>
+    </p:extLst>
+  </p:cSld>
+  <p:clrMapOvr>
+    <a:masterClrMapping/>
+  </p:clrMapOvr>
+</p:sld>
+</file>
+
+<file path=ppt/slides/slide19.xml><?xml version="1.0" encoding="utf-8"?>
+<p:sld xmlns:a="http://schemas.openxmlformats.org/drawingml/2006/main" xmlns:r="http://schemas.openxmlformats.org/officeDocument/2006/relationships" xmlns:p="http://schemas.openxmlformats.org/presentationml/2006/main">
+  <p:cSld>
+    <p:spTree>
+      <p:nvGrpSpPr>
+        <p:cNvPr id="1" name=""/>
+        <p:cNvGrpSpPr/>
+        <p:nvPr/>
+      </p:nvGrpSpPr>
+      <p:grpSpPr>
+        <a:xfrm>
+          <a:off x="0" y="0"/>
+          <a:ext cx="0" cy="0"/>
+          <a:chOff x="0" y="0"/>
+          <a:chExt cx="0" cy="0"/>
+        </a:xfrm>
+      </p:grpSpPr>
+      <p:sp>
+        <p:nvSpPr>
+          <p:cNvPr id="2" name="文本框 1"/>
+          <p:cNvSpPr txBox="1"/>
+          <p:nvPr/>
+        </p:nvSpPr>
+        <p:spPr>
+          <a:xfrm>
+            <a:off x="490888" y="462013"/>
+            <a:ext cx="1675459" cy="369332"/>
+          </a:xfrm>
+          <a:prstGeom prst="rect">
+            <a:avLst/>
+          </a:prstGeom>
+          <a:noFill/>
+        </p:spPr>
+        <p:txBody>
+          <a:bodyPr wrap="none" rtlCol="0">
+            <a:spAutoFit/>
+          </a:bodyPr>
+          <a:lstStyle/>
+          <a:p>
+            <a:r>
+              <a:rPr lang="en-US" altLang="zh-CN" dirty="0" smtClean="0"/>
+              <a:t>DSO</a:t>
+            </a:r>
+            <a:r>
+              <a:rPr lang="zh-CN" altLang="en-US" dirty="0" smtClean="0"/>
+              <a:t>属性</a:t>
+            </a:r>
+            <a:r>
+              <a:rPr lang="en-US" altLang="zh-CN" dirty="0" smtClean="0"/>
+              <a:t>-</a:t>
+            </a:r>
+            <a:r>
+              <a:rPr lang="zh-CN" altLang="en-US" dirty="0" smtClean="0"/>
+              <a:t>主键</a:t>
+            </a:r>
+            <a:endParaRPr lang="zh-CN" altLang="en-US" dirty="0"/>
+          </a:p>
+        </p:txBody>
+      </p:sp>
+      <p:pic>
+        <p:nvPicPr>
+          <p:cNvPr id="3" name="图片 2"/>
+          <p:cNvPicPr>
+            <a:picLocks noChangeAspect="1"/>
+          </p:cNvPicPr>
+          <p:nvPr/>
+        </p:nvPicPr>
+        <p:blipFill>
+          <a:blip r:embed="rId2"/>
+          <a:stretch>
+            <a:fillRect/>
+          </a:stretch>
+        </p:blipFill>
+        <p:spPr>
+          <a:xfrm>
+            <a:off x="365452" y="1239552"/>
+            <a:ext cx="3601789" cy="4631859"/>
+          </a:xfrm>
+          <a:prstGeom prst="rect">
+            <a:avLst/>
+          </a:prstGeom>
+        </p:spPr>
+      </p:pic>
+      <p:pic>
+        <p:nvPicPr>
+          <p:cNvPr id="4" name="图片 3"/>
+          <p:cNvPicPr>
+            <a:picLocks noChangeAspect="1"/>
+          </p:cNvPicPr>
+          <p:nvPr/>
+        </p:nvPicPr>
+        <p:blipFill>
+          <a:blip r:embed="rId3"/>
+          <a:stretch>
+            <a:fillRect/>
+          </a:stretch>
+        </p:blipFill>
+        <p:spPr>
+          <a:xfrm>
+            <a:off x="4572123" y="1047066"/>
+            <a:ext cx="5548676" cy="5170834"/>
+          </a:xfrm>
+          <a:prstGeom prst="rect">
+            <a:avLst/>
+          </a:prstGeom>
+        </p:spPr>
+      </p:pic>
+    </p:spTree>
+    <p:extLst>
+      <p:ext uri="{BB962C8B-B14F-4D97-AF65-F5344CB8AC3E}">
+        <p14:creationId xmlns:p14="http://schemas.microsoft.com/office/powerpoint/2010/main" val="1804499067"/>
       </p:ext>
     </p:extLst>
   </p:cSld>
@@ -4172,6 +4822,448 @@
     <p:extLst>
       <p:ext uri="{BB962C8B-B14F-4D97-AF65-F5344CB8AC3E}">
         <p14:creationId xmlns:p14="http://schemas.microsoft.com/office/powerpoint/2010/main" val="58118490"/>
+      </p:ext>
+    </p:extLst>
+  </p:cSld>
+  <p:clrMapOvr>
+    <a:masterClrMapping/>
+  </p:clrMapOvr>
+</p:sld>
+</file>
+
+<file path=ppt/slides/slide20.xml><?xml version="1.0" encoding="utf-8"?>
+<p:sld xmlns:a="http://schemas.openxmlformats.org/drawingml/2006/main" xmlns:r="http://schemas.openxmlformats.org/officeDocument/2006/relationships" xmlns:p="http://schemas.openxmlformats.org/presentationml/2006/main">
+  <p:cSld>
+    <p:spTree>
+      <p:nvGrpSpPr>
+        <p:cNvPr id="1" name=""/>
+        <p:cNvGrpSpPr/>
+        <p:nvPr/>
+      </p:nvGrpSpPr>
+      <p:grpSpPr>
+        <a:xfrm>
+          <a:off x="0" y="0"/>
+          <a:ext cx="0" cy="0"/>
+          <a:chOff x="0" y="0"/>
+          <a:chExt cx="0" cy="0"/>
+        </a:xfrm>
+      </p:grpSpPr>
+      <p:pic>
+        <p:nvPicPr>
+          <p:cNvPr id="2" name="图片 1"/>
+          <p:cNvPicPr>
+            <a:picLocks noChangeAspect="1"/>
+          </p:cNvPicPr>
+          <p:nvPr/>
+        </p:nvPicPr>
+        <p:blipFill>
+          <a:blip r:embed="rId2"/>
+          <a:stretch>
+            <a:fillRect/>
+          </a:stretch>
+        </p:blipFill>
+        <p:spPr>
+          <a:xfrm>
+            <a:off x="423510" y="917288"/>
+            <a:ext cx="6978423" cy="5636124"/>
+          </a:xfrm>
+          <a:prstGeom prst="rect">
+            <a:avLst/>
+          </a:prstGeom>
+        </p:spPr>
+      </p:pic>
+      <p:sp>
+        <p:nvSpPr>
+          <p:cNvPr id="3" name="文本框 2"/>
+          <p:cNvSpPr txBox="1"/>
+          <p:nvPr/>
+        </p:nvSpPr>
+        <p:spPr>
+          <a:xfrm>
+            <a:off x="394636" y="413886"/>
+            <a:ext cx="2598788" cy="369332"/>
+          </a:xfrm>
+          <a:prstGeom prst="rect">
+            <a:avLst/>
+          </a:prstGeom>
+          <a:noFill/>
+        </p:spPr>
+        <p:txBody>
+          <a:bodyPr wrap="none" rtlCol="0">
+            <a:spAutoFit/>
+          </a:bodyPr>
+          <a:lstStyle/>
+          <a:p>
+            <a:r>
+              <a:rPr lang="en-US" altLang="zh-CN" dirty="0" smtClean="0"/>
+              <a:t>DSO</a:t>
+            </a:r>
+            <a:r>
+              <a:rPr lang="zh-CN" altLang="en-US" dirty="0" smtClean="0"/>
+              <a:t>属性</a:t>
+            </a:r>
+            <a:r>
+              <a:rPr lang="en-US" altLang="zh-CN" dirty="0" smtClean="0"/>
+              <a:t>-</a:t>
+            </a:r>
+            <a:r>
+              <a:rPr lang="zh-CN" altLang="en-US" dirty="0" smtClean="0"/>
+              <a:t>分区（了解）</a:t>
+            </a:r>
+            <a:endParaRPr lang="zh-CN" altLang="en-US" dirty="0"/>
+          </a:p>
+        </p:txBody>
+      </p:sp>
+    </p:spTree>
+    <p:extLst>
+      <p:ext uri="{BB962C8B-B14F-4D97-AF65-F5344CB8AC3E}">
+        <p14:creationId xmlns:p14="http://schemas.microsoft.com/office/powerpoint/2010/main" val="615227438"/>
+      </p:ext>
+    </p:extLst>
+  </p:cSld>
+  <p:clrMapOvr>
+    <a:masterClrMapping/>
+  </p:clrMapOvr>
+</p:sld>
+</file>
+
+<file path=ppt/slides/slide21.xml><?xml version="1.0" encoding="utf-8"?>
+<p:sld xmlns:a="http://schemas.openxmlformats.org/drawingml/2006/main" xmlns:r="http://schemas.openxmlformats.org/officeDocument/2006/relationships" xmlns:p="http://schemas.openxmlformats.org/presentationml/2006/main">
+  <p:cSld>
+    <p:spTree>
+      <p:nvGrpSpPr>
+        <p:cNvPr id="1" name=""/>
+        <p:cNvGrpSpPr/>
+        <p:nvPr/>
+      </p:nvGrpSpPr>
+      <p:grpSpPr>
+        <a:xfrm>
+          <a:off x="0" y="0"/>
+          <a:ext cx="0" cy="0"/>
+          <a:chOff x="0" y="0"/>
+          <a:chExt cx="0" cy="0"/>
+        </a:xfrm>
+      </p:grpSpPr>
+      <p:sp>
+        <p:nvSpPr>
+          <p:cNvPr id="2" name="文本框 1"/>
+          <p:cNvSpPr txBox="1"/>
+          <p:nvPr/>
+        </p:nvSpPr>
+        <p:spPr>
+          <a:xfrm>
+            <a:off x="596766" y="558265"/>
+            <a:ext cx="2252540" cy="369332"/>
+          </a:xfrm>
+          <a:prstGeom prst="rect">
+            <a:avLst/>
+          </a:prstGeom>
+          <a:noFill/>
+        </p:spPr>
+        <p:txBody>
+          <a:bodyPr wrap="none" rtlCol="0">
+            <a:spAutoFit/>
+          </a:bodyPr>
+          <a:lstStyle/>
+          <a:p>
+            <a:r>
+              <a:rPr lang="zh-CN" altLang="en-US" dirty="0" smtClean="0"/>
+              <a:t>四、抽取层创建</a:t>
+            </a:r>
+            <a:r>
+              <a:rPr lang="en-US" altLang="zh-CN" dirty="0" smtClean="0"/>
+              <a:t>DSO</a:t>
+            </a:r>
+            <a:endParaRPr lang="zh-CN" altLang="en-US" dirty="0"/>
+          </a:p>
+        </p:txBody>
+      </p:sp>
+      <p:pic>
+        <p:nvPicPr>
+          <p:cNvPr id="9" name="图片 8"/>
+          <p:cNvPicPr>
+            <a:picLocks noChangeAspect="1"/>
+          </p:cNvPicPr>
+          <p:nvPr/>
+        </p:nvPicPr>
+        <p:blipFill>
+          <a:blip r:embed="rId2"/>
+          <a:stretch>
+            <a:fillRect/>
+          </a:stretch>
+        </p:blipFill>
+        <p:spPr>
+          <a:xfrm>
+            <a:off x="596766" y="1121112"/>
+            <a:ext cx="8573625" cy="5289313"/>
+          </a:xfrm>
+          <a:prstGeom prst="rect">
+            <a:avLst/>
+          </a:prstGeom>
+        </p:spPr>
+      </p:pic>
+    </p:spTree>
+    <p:extLst>
+      <p:ext uri="{BB962C8B-B14F-4D97-AF65-F5344CB8AC3E}">
+        <p14:creationId xmlns:p14="http://schemas.microsoft.com/office/powerpoint/2010/main" val="3342072296"/>
+      </p:ext>
+    </p:extLst>
+  </p:cSld>
+  <p:clrMapOvr>
+    <a:masterClrMapping/>
+  </p:clrMapOvr>
+</p:sld>
+</file>
+
+<file path=ppt/slides/slide22.xml><?xml version="1.0" encoding="utf-8"?>
+<p:sld xmlns:a="http://schemas.openxmlformats.org/drawingml/2006/main" xmlns:r="http://schemas.openxmlformats.org/officeDocument/2006/relationships" xmlns:p="http://schemas.openxmlformats.org/presentationml/2006/main">
+  <p:cSld>
+    <p:spTree>
+      <p:nvGrpSpPr>
+        <p:cNvPr id="1" name=""/>
+        <p:cNvGrpSpPr/>
+        <p:nvPr/>
+      </p:nvGrpSpPr>
+      <p:grpSpPr>
+        <a:xfrm>
+          <a:off x="0" y="0"/>
+          <a:ext cx="0" cy="0"/>
+          <a:chOff x="0" y="0"/>
+          <a:chExt cx="0" cy="0"/>
+        </a:xfrm>
+      </p:grpSpPr>
+      <p:pic>
+        <p:nvPicPr>
+          <p:cNvPr id="2" name="图片 1"/>
+          <p:cNvPicPr>
+            <a:picLocks noChangeAspect="1"/>
+          </p:cNvPicPr>
+          <p:nvPr/>
+        </p:nvPicPr>
+        <p:blipFill>
+          <a:blip r:embed="rId2"/>
+          <a:stretch>
+            <a:fillRect/>
+          </a:stretch>
+        </p:blipFill>
+        <p:spPr>
+          <a:xfrm>
+            <a:off x="5542047" y="2020605"/>
+            <a:ext cx="5534249" cy="3331041"/>
+          </a:xfrm>
+          <a:prstGeom prst="rect">
+            <a:avLst/>
+          </a:prstGeom>
+        </p:spPr>
+      </p:pic>
+      <p:pic>
+        <p:nvPicPr>
+          <p:cNvPr id="3" name="图片 2"/>
+          <p:cNvPicPr>
+            <a:picLocks noChangeAspect="1"/>
+          </p:cNvPicPr>
+          <p:nvPr/>
+        </p:nvPicPr>
+        <p:blipFill>
+          <a:blip r:embed="rId3"/>
+          <a:stretch>
+            <a:fillRect/>
+          </a:stretch>
+        </p:blipFill>
+        <p:spPr>
+          <a:xfrm>
+            <a:off x="703069" y="1807992"/>
+            <a:ext cx="4519965" cy="3756266"/>
+          </a:xfrm>
+          <a:prstGeom prst="rect">
+            <a:avLst/>
+          </a:prstGeom>
+        </p:spPr>
+      </p:pic>
+      <p:sp>
+        <p:nvSpPr>
+          <p:cNvPr id="4" name="文本框 3"/>
+          <p:cNvSpPr txBox="1"/>
+          <p:nvPr/>
+        </p:nvSpPr>
+        <p:spPr>
+          <a:xfrm>
+            <a:off x="2088682" y="5861786"/>
+            <a:ext cx="1107996" cy="369332"/>
+          </a:xfrm>
+          <a:prstGeom prst="rect">
+            <a:avLst/>
+          </a:prstGeom>
+          <a:noFill/>
+        </p:spPr>
+        <p:txBody>
+          <a:bodyPr wrap="none" rtlCol="0">
+            <a:spAutoFit/>
+          </a:bodyPr>
+          <a:lstStyle/>
+          <a:p>
+            <a:r>
+              <a:rPr lang="zh-CN" altLang="en-US" dirty="0" smtClean="0"/>
+              <a:t>设置主键</a:t>
+            </a:r>
+            <a:endParaRPr lang="zh-CN" altLang="en-US" dirty="0"/>
+          </a:p>
+        </p:txBody>
+      </p:sp>
+    </p:spTree>
+    <p:extLst>
+      <p:ext uri="{BB962C8B-B14F-4D97-AF65-F5344CB8AC3E}">
+        <p14:creationId xmlns:p14="http://schemas.microsoft.com/office/powerpoint/2010/main" val="577376679"/>
+      </p:ext>
+    </p:extLst>
+  </p:cSld>
+  <p:clrMapOvr>
+    <a:masterClrMapping/>
+  </p:clrMapOvr>
+</p:sld>
+</file>
+
+<file path=ppt/slides/slide23.xml><?xml version="1.0" encoding="utf-8"?>
+<p:sld xmlns:a="http://schemas.openxmlformats.org/drawingml/2006/main" xmlns:r="http://schemas.openxmlformats.org/officeDocument/2006/relationships" xmlns:p="http://schemas.openxmlformats.org/presentationml/2006/main">
+  <p:cSld>
+    <p:spTree>
+      <p:nvGrpSpPr>
+        <p:cNvPr id="1" name=""/>
+        <p:cNvGrpSpPr/>
+        <p:nvPr/>
+      </p:nvGrpSpPr>
+      <p:grpSpPr>
+        <a:xfrm>
+          <a:off x="0" y="0"/>
+          <a:ext cx="0" cy="0"/>
+          <a:chOff x="0" y="0"/>
+          <a:chExt cx="0" cy="0"/>
+        </a:xfrm>
+      </p:grpSpPr>
+      <p:sp>
+        <p:nvSpPr>
+          <p:cNvPr id="2" name="文本框 1"/>
+          <p:cNvSpPr txBox="1"/>
+          <p:nvPr/>
+        </p:nvSpPr>
+        <p:spPr>
+          <a:xfrm>
+            <a:off x="539015" y="625642"/>
+            <a:ext cx="1338828" cy="369332"/>
+          </a:xfrm>
+          <a:prstGeom prst="rect">
+            <a:avLst/>
+          </a:prstGeom>
+          <a:noFill/>
+        </p:spPr>
+        <p:txBody>
+          <a:bodyPr wrap="none" rtlCol="0">
+            <a:spAutoFit/>
+          </a:bodyPr>
+          <a:lstStyle/>
+          <a:p>
+            <a:r>
+              <a:rPr lang="zh-CN" altLang="en-US" dirty="0" smtClean="0"/>
+              <a:t>五、转换层</a:t>
+            </a:r>
+            <a:endParaRPr lang="zh-CN" altLang="en-US" dirty="0"/>
+          </a:p>
+        </p:txBody>
+      </p:sp>
+    </p:spTree>
+    <p:extLst>
+      <p:ext uri="{BB962C8B-B14F-4D97-AF65-F5344CB8AC3E}">
+        <p14:creationId xmlns:p14="http://schemas.microsoft.com/office/powerpoint/2010/main" val="1563933319"/>
+      </p:ext>
+    </p:extLst>
+  </p:cSld>
+  <p:clrMapOvr>
+    <a:masterClrMapping/>
+  </p:clrMapOvr>
+</p:sld>
+</file>
+
+<file path=ppt/slides/slide24.xml><?xml version="1.0" encoding="utf-8"?>
+<p:sld xmlns:a="http://schemas.openxmlformats.org/drawingml/2006/main" xmlns:r="http://schemas.openxmlformats.org/officeDocument/2006/relationships" xmlns:p="http://schemas.openxmlformats.org/presentationml/2006/main">
+  <p:cSld>
+    <p:spTree>
+      <p:nvGrpSpPr>
+        <p:cNvPr id="1" name=""/>
+        <p:cNvGrpSpPr/>
+        <p:nvPr/>
+      </p:nvGrpSpPr>
+      <p:grpSpPr>
+        <a:xfrm>
+          <a:off x="0" y="0"/>
+          <a:ext cx="0" cy="0"/>
+          <a:chOff x="0" y="0"/>
+          <a:chExt cx="0" cy="0"/>
+        </a:xfrm>
+      </p:grpSpPr>
+    </p:spTree>
+    <p:extLst>
+      <p:ext uri="{BB962C8B-B14F-4D97-AF65-F5344CB8AC3E}">
+        <p14:creationId xmlns:p14="http://schemas.microsoft.com/office/powerpoint/2010/main" val="2625916459"/>
+      </p:ext>
+    </p:extLst>
+  </p:cSld>
+  <p:clrMapOvr>
+    <a:masterClrMapping/>
+  </p:clrMapOvr>
+</p:sld>
+</file>
+
+<file path=ppt/slides/slide25.xml><?xml version="1.0" encoding="utf-8"?>
+<p:sld xmlns:a="http://schemas.openxmlformats.org/drawingml/2006/main" xmlns:r="http://schemas.openxmlformats.org/officeDocument/2006/relationships" xmlns:p="http://schemas.openxmlformats.org/presentationml/2006/main">
+  <p:cSld>
+    <p:spTree>
+      <p:nvGrpSpPr>
+        <p:cNvPr id="1" name=""/>
+        <p:cNvGrpSpPr/>
+        <p:nvPr/>
+      </p:nvGrpSpPr>
+      <p:grpSpPr>
+        <a:xfrm>
+          <a:off x="0" y="0"/>
+          <a:ext cx="0" cy="0"/>
+          <a:chOff x="0" y="0"/>
+          <a:chExt cx="0" cy="0"/>
+        </a:xfrm>
+      </p:grpSpPr>
+    </p:spTree>
+    <p:extLst>
+      <p:ext uri="{BB962C8B-B14F-4D97-AF65-F5344CB8AC3E}">
+        <p14:creationId xmlns:p14="http://schemas.microsoft.com/office/powerpoint/2010/main" val="2776403149"/>
+      </p:ext>
+    </p:extLst>
+  </p:cSld>
+  <p:clrMapOvr>
+    <a:masterClrMapping/>
+  </p:clrMapOvr>
+</p:sld>
+</file>
+
+<file path=ppt/slides/slide26.xml><?xml version="1.0" encoding="utf-8"?>
+<p:sld xmlns:a="http://schemas.openxmlformats.org/drawingml/2006/main" xmlns:r="http://schemas.openxmlformats.org/officeDocument/2006/relationships" xmlns:p="http://schemas.openxmlformats.org/presentationml/2006/main">
+  <p:cSld>
+    <p:spTree>
+      <p:nvGrpSpPr>
+        <p:cNvPr id="1" name=""/>
+        <p:cNvGrpSpPr/>
+        <p:nvPr/>
+      </p:nvGrpSpPr>
+      <p:grpSpPr>
+        <a:xfrm>
+          <a:off x="0" y="0"/>
+          <a:ext cx="0" cy="0"/>
+          <a:chOff x="0" y="0"/>
+          <a:chExt cx="0" cy="0"/>
+        </a:xfrm>
+      </p:grpSpPr>
+    </p:spTree>
+    <p:extLst>
+      <p:ext uri="{BB962C8B-B14F-4D97-AF65-F5344CB8AC3E}">
+        <p14:creationId xmlns:p14="http://schemas.microsoft.com/office/powerpoint/2010/main" val="880583817"/>
       </p:ext>
     </p:extLst>
   </p:cSld>
@@ -5182,4 +6274,265 @@
     </a:ext>
   </a:extLst>
 </a:theme>
+</file>
+
+<file path=ppt/theme/theme2.xml><?xml version="1.0" encoding="utf-8"?>
+<a:theme xmlns:a="http://schemas.openxmlformats.org/drawingml/2006/main" name="Office 主题​​">
+  <a:themeElements>
+    <a:clrScheme name="Office">
+      <a:dk1>
+        <a:sysClr val="windowText" lastClr="000000"/>
+      </a:dk1>
+      <a:lt1>
+        <a:sysClr val="window" lastClr="FFFFFF"/>
+      </a:lt1>
+      <a:dk2>
+        <a:srgbClr val="44546A"/>
+      </a:dk2>
+      <a:lt2>
+        <a:srgbClr val="E7E6E6"/>
+      </a:lt2>
+      <a:accent1>
+        <a:srgbClr val="5B9BD5"/>
+      </a:accent1>
+      <a:accent2>
+        <a:srgbClr val="ED7D31"/>
+      </a:accent2>
+      <a:accent3>
+        <a:srgbClr val="A5A5A5"/>
+      </a:accent3>
+      <a:accent4>
+        <a:srgbClr val="FFC000"/>
+      </a:accent4>
+      <a:accent5>
+        <a:srgbClr val="4472C4"/>
+      </a:accent5>
+      <a:accent6>
+        <a:srgbClr val="70AD47"/>
+      </a:accent6>
+      <a:hlink>
+        <a:srgbClr val="0563C1"/>
+      </a:hlink>
+      <a:folHlink>
+        <a:srgbClr val="954F72"/>
+      </a:folHlink>
+    </a:clrScheme>
+    <a:fontScheme name="Office">
+      <a:majorFont>
+        <a:latin typeface="等线 Light" panose="020F0302020204030204"/>
+        <a:ea typeface=""/>
+        <a:cs typeface=""/>
+        <a:font script="Jpan" typeface="游ゴシック Light"/>
+        <a:font script="Hang" typeface="맑은 고딕"/>
+        <a:font script="Hans" typeface="等线 Light"/>
+        <a:font script="Hant" typeface="新細明體"/>
+        <a:font script="Arab" typeface="Times New Roman"/>
+        <a:font script="Hebr" typeface="Times New Roman"/>
+        <a:font script="Thai" typeface="Angsana New"/>
+        <a:font script="Ethi" typeface="Nyala"/>
+        <a:font script="Beng" typeface="Vrinda"/>
+        <a:font script="Gujr" typeface="Shruti"/>
+        <a:font script="Khmr" typeface="MoolBoran"/>
+        <a:font script="Knda" typeface="Tunga"/>
+        <a:font script="Guru" typeface="Raavi"/>
+        <a:font script="Cans" typeface="Euphemia"/>
+        <a:font script="Cher" typeface="Plantagenet Cherokee"/>
+        <a:font script="Yiii" typeface="Microsoft Yi Baiti"/>
+        <a:font script="Tibt" typeface="Microsoft Himalaya"/>
+        <a:font script="Thaa" typeface="MV Boli"/>
+        <a:font script="Deva" typeface="Mangal"/>
+        <a:font script="Telu" typeface="Gautami"/>
+        <a:font script="Taml" typeface="Latha"/>
+        <a:font script="Syrc" typeface="Estrangelo Edessa"/>
+        <a:font script="Orya" typeface="Kalinga"/>
+        <a:font script="Mlym" typeface="Kartika"/>
+        <a:font script="Laoo" typeface="DokChampa"/>
+        <a:font script="Sinh" typeface="Iskoola Pota"/>
+        <a:font script="Mong" typeface="Mongolian Baiti"/>
+        <a:font script="Viet" typeface="Times New Roman"/>
+        <a:font script="Uigh" typeface="Microsoft Uighur"/>
+        <a:font script="Geor" typeface="Sylfaen"/>
+      </a:majorFont>
+      <a:minorFont>
+        <a:latin typeface="等线" panose="020F0502020204030204"/>
+        <a:ea typeface=""/>
+        <a:cs typeface=""/>
+        <a:font script="Jpan" typeface="游ゴシック"/>
+        <a:font script="Hang" typeface="맑은 고딕"/>
+        <a:font script="Hans" typeface="等线"/>
+        <a:font script="Hant" typeface="新細明體"/>
+        <a:font script="Arab" typeface="Arial"/>
+        <a:font script="Hebr" typeface="Arial"/>
+        <a:font script="Thai" typeface="Cordia New"/>
+        <a:font script="Ethi" typeface="Nyala"/>
+        <a:font script="Beng" typeface="Vrinda"/>
+        <a:font script="Gujr" typeface="Shruti"/>
+        <a:font script="Khmr" typeface="DaunPenh"/>
+        <a:font script="Knda" typeface="Tunga"/>
+        <a:font script="Guru" typeface="Raavi"/>
+        <a:font script="Cans" typeface="Euphemia"/>
+        <a:font script="Cher" typeface="Plantagenet Cherokee"/>
+        <a:font script="Yiii" typeface="Microsoft Yi Baiti"/>
+        <a:font script="Tibt" typeface="Microsoft Himalaya"/>
+        <a:font script="Thaa" typeface="MV Boli"/>
+        <a:font script="Deva" typeface="Mangal"/>
+        <a:font script="Telu" typeface="Gautami"/>
+        <a:font script="Taml" typeface="Latha"/>
+        <a:font script="Syrc" typeface="Estrangelo Edessa"/>
+        <a:font script="Orya" typeface="Kalinga"/>
+        <a:font script="Mlym" typeface="Kartika"/>
+        <a:font script="Laoo" typeface="DokChampa"/>
+        <a:font script="Sinh" typeface="Iskoola Pota"/>
+        <a:font script="Mong" typeface="Mongolian Baiti"/>
+        <a:font script="Viet" typeface="Arial"/>
+        <a:font script="Uigh" typeface="Microsoft Uighur"/>
+        <a:font script="Geor" typeface="Sylfaen"/>
+      </a:minorFont>
+    </a:fontScheme>
+    <a:fmtScheme name="Office">
+      <a:fillStyleLst>
+        <a:solidFill>
+          <a:schemeClr val="phClr"/>
+        </a:solidFill>
+        <a:gradFill rotWithShape="1">
+          <a:gsLst>
+            <a:gs pos="0">
+              <a:schemeClr val="phClr">
+                <a:lumMod val="110000"/>
+                <a:satMod val="105000"/>
+                <a:tint val="67000"/>
+              </a:schemeClr>
+            </a:gs>
+            <a:gs pos="50000">
+              <a:schemeClr val="phClr">
+                <a:lumMod val="105000"/>
+                <a:satMod val="103000"/>
+                <a:tint val="73000"/>
+              </a:schemeClr>
+            </a:gs>
+            <a:gs pos="100000">
+              <a:schemeClr val="phClr">
+                <a:lumMod val="105000"/>
+                <a:satMod val="109000"/>
+                <a:tint val="81000"/>
+              </a:schemeClr>
+            </a:gs>
+          </a:gsLst>
+          <a:lin ang="5400000" scaled="0"/>
+        </a:gradFill>
+        <a:gradFill rotWithShape="1">
+          <a:gsLst>
+            <a:gs pos="0">
+              <a:schemeClr val="phClr">
+                <a:satMod val="103000"/>
+                <a:lumMod val="102000"/>
+                <a:tint val="94000"/>
+              </a:schemeClr>
+            </a:gs>
+            <a:gs pos="50000">
+              <a:schemeClr val="phClr">
+                <a:satMod val="110000"/>
+                <a:lumMod val="100000"/>
+                <a:shade val="100000"/>
+              </a:schemeClr>
+            </a:gs>
+            <a:gs pos="100000">
+              <a:schemeClr val="phClr">
+                <a:lumMod val="99000"/>
+                <a:satMod val="120000"/>
+                <a:shade val="78000"/>
+              </a:schemeClr>
+            </a:gs>
+          </a:gsLst>
+          <a:lin ang="5400000" scaled="0"/>
+        </a:gradFill>
+      </a:fillStyleLst>
+      <a:lnStyleLst>
+        <a:ln w="6350" cap="flat" cmpd="sng" algn="ctr">
+          <a:solidFill>
+            <a:schemeClr val="phClr"/>
+          </a:solidFill>
+          <a:prstDash val="solid"/>
+          <a:miter lim="800000"/>
+        </a:ln>
+        <a:ln w="12700" cap="flat" cmpd="sng" algn="ctr">
+          <a:solidFill>
+            <a:schemeClr val="phClr"/>
+          </a:solidFill>
+          <a:prstDash val="solid"/>
+          <a:miter lim="800000"/>
+        </a:ln>
+        <a:ln w="19050" cap="flat" cmpd="sng" algn="ctr">
+          <a:solidFill>
+            <a:schemeClr val="phClr"/>
+          </a:solidFill>
+          <a:prstDash val="solid"/>
+          <a:miter lim="800000"/>
+        </a:ln>
+      </a:lnStyleLst>
+      <a:effectStyleLst>
+        <a:effectStyle>
+          <a:effectLst/>
+        </a:effectStyle>
+        <a:effectStyle>
+          <a:effectLst/>
+        </a:effectStyle>
+        <a:effectStyle>
+          <a:effectLst>
+            <a:outerShdw blurRad="57150" dist="19050" dir="5400000" algn="ctr" rotWithShape="0">
+              <a:srgbClr val="000000">
+                <a:alpha val="63000"/>
+              </a:srgbClr>
+            </a:outerShdw>
+          </a:effectLst>
+        </a:effectStyle>
+      </a:effectStyleLst>
+      <a:bgFillStyleLst>
+        <a:solidFill>
+          <a:schemeClr val="phClr"/>
+        </a:solidFill>
+        <a:solidFill>
+          <a:schemeClr val="phClr">
+            <a:tint val="95000"/>
+            <a:satMod val="170000"/>
+          </a:schemeClr>
+        </a:solidFill>
+        <a:gradFill rotWithShape="1">
+          <a:gsLst>
+            <a:gs pos="0">
+              <a:schemeClr val="phClr">
+                <a:tint val="93000"/>
+                <a:satMod val="150000"/>
+                <a:shade val="98000"/>
+                <a:lumMod val="102000"/>
+              </a:schemeClr>
+            </a:gs>
+            <a:gs pos="50000">
+              <a:schemeClr val="phClr">
+                <a:tint val="98000"/>
+                <a:satMod val="130000"/>
+                <a:shade val="90000"/>
+                <a:lumMod val="103000"/>
+              </a:schemeClr>
+            </a:gs>
+            <a:gs pos="100000">
+              <a:schemeClr val="phClr">
+                <a:shade val="63000"/>
+                <a:satMod val="120000"/>
+              </a:schemeClr>
+            </a:gs>
+          </a:gsLst>
+          <a:lin ang="5400000" scaled="0"/>
+        </a:gradFill>
+      </a:bgFillStyleLst>
+    </a:fmtScheme>
+  </a:themeElements>
+  <a:objectDefaults/>
+  <a:extraClrSchemeLst/>
+  <a:extLst>
+    <a:ext uri="{05A4C25C-085E-4340-85A3-A5531E510DB2}">
+      <thm15:themeFamily xmlns:thm15="http://schemas.microsoft.com/office/thememl/2012/main" name="Office Theme" id="{62F939B6-93AF-4DB8-9C6B-D6C7DFDC589F}" vid="{4A3C46E8-61CC-4603-A589-7422A47A8E4A}"/>
+    </a:ext>
+  </a:extLst>
+</a:theme>
 </file>